--- a/The Battle of the Neighborhoods - Week 2 - Presentation.pptx
+++ b/The Battle of the Neighborhoods - Week 2 - Presentation.pptx
@@ -299,7 +299,7 @@
             <a:fld id="{1D8BD707-D9CF-40AE-B4C6-C98DA3205C09}" type="datetimeFigureOut">
               <a:rPr lang="en-US" smtClean="0"/>
               <a:pPr/>
-              <a:t>16/10/2019</a:t>
+              <a:t>18/10/2019</a:t>
             </a:fld>
             <a:endParaRPr lang="en-US"/>
           </a:p>
@@ -466,7 +466,7 @@
             <a:fld id="{1D8BD707-D9CF-40AE-B4C6-C98DA3205C09}" type="datetimeFigureOut">
               <a:rPr lang="en-US" smtClean="0"/>
               <a:pPr/>
-              <a:t>16/10/2019</a:t>
+              <a:t>18/10/2019</a:t>
             </a:fld>
             <a:endParaRPr lang="en-US"/>
           </a:p>
@@ -643,7 +643,7 @@
             <a:fld id="{1D8BD707-D9CF-40AE-B4C6-C98DA3205C09}" type="datetimeFigureOut">
               <a:rPr lang="en-US" smtClean="0"/>
               <a:pPr/>
-              <a:t>16/10/2019</a:t>
+              <a:t>18/10/2019</a:t>
             </a:fld>
             <a:endParaRPr lang="en-US"/>
           </a:p>
@@ -810,7 +810,7 @@
             <a:fld id="{1D8BD707-D9CF-40AE-B4C6-C98DA3205C09}" type="datetimeFigureOut">
               <a:rPr lang="en-US" smtClean="0"/>
               <a:pPr/>
-              <a:t>16/10/2019</a:t>
+              <a:t>18/10/2019</a:t>
             </a:fld>
             <a:endParaRPr lang="en-US"/>
           </a:p>
@@ -1053,7 +1053,7 @@
             <a:fld id="{1D8BD707-D9CF-40AE-B4C6-C98DA3205C09}" type="datetimeFigureOut">
               <a:rPr lang="en-US" smtClean="0"/>
               <a:pPr/>
-              <a:t>16/10/2019</a:t>
+              <a:t>18/10/2019</a:t>
             </a:fld>
             <a:endParaRPr lang="en-US"/>
           </a:p>
@@ -1338,7 +1338,7 @@
             <a:fld id="{1D8BD707-D9CF-40AE-B4C6-C98DA3205C09}" type="datetimeFigureOut">
               <a:rPr lang="en-US" smtClean="0"/>
               <a:pPr/>
-              <a:t>16/10/2019</a:t>
+              <a:t>18/10/2019</a:t>
             </a:fld>
             <a:endParaRPr lang="en-US"/>
           </a:p>
@@ -1757,7 +1757,7 @@
             <a:fld id="{1D8BD707-D9CF-40AE-B4C6-C98DA3205C09}" type="datetimeFigureOut">
               <a:rPr lang="en-US" smtClean="0"/>
               <a:pPr/>
-              <a:t>16/10/2019</a:t>
+              <a:t>18/10/2019</a:t>
             </a:fld>
             <a:endParaRPr lang="en-US"/>
           </a:p>
@@ -1872,7 +1872,7 @@
             <a:fld id="{1D8BD707-D9CF-40AE-B4C6-C98DA3205C09}" type="datetimeFigureOut">
               <a:rPr lang="en-US" smtClean="0"/>
               <a:pPr/>
-              <a:t>16/10/2019</a:t>
+              <a:t>18/10/2019</a:t>
             </a:fld>
             <a:endParaRPr lang="en-US"/>
           </a:p>
@@ -1964,7 +1964,7 @@
             <a:fld id="{1D8BD707-D9CF-40AE-B4C6-C98DA3205C09}" type="datetimeFigureOut">
               <a:rPr lang="en-US" smtClean="0"/>
               <a:pPr/>
-              <a:t>16/10/2019</a:t>
+              <a:t>18/10/2019</a:t>
             </a:fld>
             <a:endParaRPr lang="en-US"/>
           </a:p>
@@ -2238,7 +2238,7 @@
             <a:fld id="{1D8BD707-D9CF-40AE-B4C6-C98DA3205C09}" type="datetimeFigureOut">
               <a:rPr lang="en-US" smtClean="0"/>
               <a:pPr/>
-              <a:t>16/10/2019</a:t>
+              <a:t>18/10/2019</a:t>
             </a:fld>
             <a:endParaRPr lang="en-US"/>
           </a:p>
@@ -2488,7 +2488,7 @@
             <a:fld id="{1D8BD707-D9CF-40AE-B4C6-C98DA3205C09}" type="datetimeFigureOut">
               <a:rPr lang="en-US" smtClean="0"/>
               <a:pPr/>
-              <a:t>16/10/2019</a:t>
+              <a:t>18/10/2019</a:t>
             </a:fld>
             <a:endParaRPr lang="en-US"/>
           </a:p>
@@ -2698,7 +2698,7 @@
             <a:fld id="{1D8BD707-D9CF-40AE-B4C6-C98DA3205C09}" type="datetimeFigureOut">
               <a:rPr lang="en-US" smtClean="0"/>
               <a:pPr/>
-              <a:t>16/10/2019</a:t>
+              <a:t>18/10/2019</a:t>
             </a:fld>
             <a:endParaRPr lang="en-US"/>
           </a:p>
@@ -3210,7 +3210,19 @@
               <a:rPr lang="en-US" sz="1600" dirty="0" smtClean="0">
                 <a:latin typeface="Century Gothic" pitchFamily="34" charset="0"/>
               </a:rPr>
-              <a:t>Top 5 Districts in Groundnut production in AP</a:t>
+              <a:t>Top 5 Districts in </a:t>
+            </a:r>
+            <a:r>
+              <a:rPr lang="en-US" sz="1600" dirty="0" smtClean="0">
+                <a:latin typeface="Century Gothic" pitchFamily="34" charset="0"/>
+              </a:rPr>
+              <a:t>Tobacco production </a:t>
+            </a:r>
+            <a:r>
+              <a:rPr lang="en-US" sz="1600" dirty="0" smtClean="0">
+                <a:latin typeface="Century Gothic" pitchFamily="34" charset="0"/>
+              </a:rPr>
+              <a:t>in AP</a:t>
             </a:r>
           </a:p>
           <a:p>
@@ -3220,7 +3232,7 @@
       </p:sp>
       <p:pic>
         <p:nvPicPr>
-          <p:cNvPr id="4" name="Picture 2"/>
+          <p:cNvPr id="6146" name="Picture 2"/>
           <p:cNvPicPr>
             <a:picLocks noChangeAspect="1" noChangeArrowheads="1"/>
           </p:cNvPicPr>
@@ -3235,8 +3247,8 @@
         </p:blipFill>
         <p:spPr bwMode="auto">
           <a:xfrm>
-            <a:off x="1558925" y="1924050"/>
-            <a:ext cx="6026150" cy="4629150"/>
+            <a:off x="1603055" y="1976437"/>
+            <a:ext cx="5712145" cy="4348163"/>
           </a:xfrm>
           <a:prstGeom prst="rect">
             <a:avLst/>
@@ -3548,7 +3560,7 @@
         </p:blipFill>
         <p:spPr bwMode="auto">
           <a:xfrm>
-            <a:off x="4614213" y="1981200"/>
+            <a:off x="4614213" y="2057400"/>
             <a:ext cx="3866847" cy="3417411"/>
           </a:xfrm>
           <a:prstGeom prst="rect">
@@ -3597,6 +3609,36 @@
           </a:p>
         </p:txBody>
       </p:sp>
+      <p:pic>
+        <p:nvPicPr>
+          <p:cNvPr id="5" name="Picture 4"/>
+          <p:cNvPicPr/>
+          <p:nvPr/>
+        </p:nvPicPr>
+        <p:blipFill>
+          <a:blip r:embed="rId3" cstate="print"/>
+          <a:srcRect/>
+          <a:stretch>
+            <a:fillRect/>
+          </a:stretch>
+        </p:blipFill>
+        <p:spPr bwMode="auto">
+          <a:xfrm>
+            <a:off x="1119187" y="3048000"/>
+            <a:ext cx="2995613" cy="2470511"/>
+          </a:xfrm>
+          <a:prstGeom prst="rect">
+            <a:avLst/>
+          </a:prstGeom>
+          <a:noFill/>
+          <a:ln w="9525">
+            <a:noFill/>
+            <a:miter lim="800000"/>
+            <a:headEnd/>
+            <a:tailEnd/>
+          </a:ln>
+        </p:spPr>
+      </p:pic>
     </p:spTree>
   </p:cSld>
   <p:clrMapOvr>
@@ -4272,7 +4314,7 @@
         <p:spPr>
           <a:xfrm>
             <a:off x="457200" y="1600201"/>
-            <a:ext cx="4648200" cy="2133600"/>
+            <a:ext cx="4648200" cy="2209800"/>
           </a:xfrm>
         </p:spPr>
         <p:txBody>
@@ -4283,8 +4325,92 @@
               <a:rPr lang="en-US" sz="1600" dirty="0" smtClean="0">
                 <a:latin typeface="Century Gothic" pitchFamily="34" charset="0"/>
               </a:rPr>
-              <a:t>To 5 Crops in AP</a:t>
-            </a:r>
+              <a:t>To 5 Crops in </a:t>
+            </a:r>
+            <a:r>
+              <a:rPr lang="en-US" sz="1600" dirty="0" smtClean="0">
+                <a:latin typeface="Century Gothic" pitchFamily="34" charset="0"/>
+              </a:rPr>
+              <a:t>AP Whole </a:t>
+            </a:r>
+          </a:p>
+          <a:p>
+            <a:pPr lvl="1"/>
+            <a:r>
+              <a:rPr lang="en-US" sz="1200" dirty="0" smtClean="0">
+                <a:latin typeface="Century Gothic" pitchFamily="34" charset="0"/>
+              </a:rPr>
+              <a:t>Year</a:t>
+            </a:r>
+          </a:p>
+          <a:p>
+            <a:pPr lvl="1"/>
+            <a:r>
+              <a:rPr lang="en-US" sz="1200" dirty="0" err="1" smtClean="0">
+                <a:latin typeface="Century Gothic" pitchFamily="34" charset="0"/>
+              </a:rPr>
+              <a:t>Kharif</a:t>
+            </a:r>
+            <a:r>
+              <a:rPr lang="en-US" sz="1200" dirty="0" smtClean="0">
+                <a:latin typeface="Century Gothic" pitchFamily="34" charset="0"/>
+              </a:rPr>
+              <a:t> </a:t>
+            </a:r>
+          </a:p>
+          <a:p>
+            <a:pPr lvl="1"/>
+            <a:r>
+              <a:rPr lang="en-US" sz="1200" dirty="0" smtClean="0">
+                <a:latin typeface="Century Gothic" pitchFamily="34" charset="0"/>
+              </a:rPr>
+              <a:t>Rabi</a:t>
+            </a:r>
+          </a:p>
+          <a:p>
+            <a:endParaRPr lang="en-US" sz="1600" dirty="0" smtClean="0">
+              <a:latin typeface="Century Gothic" pitchFamily="34" charset="0"/>
+            </a:endParaRPr>
+          </a:p>
+          <a:p>
+            <a:endParaRPr lang="en-US" sz="1600" dirty="0" smtClean="0">
+              <a:latin typeface="Century Gothic" pitchFamily="34" charset="0"/>
+            </a:endParaRPr>
+          </a:p>
+          <a:p>
+            <a:endParaRPr lang="en-US" sz="1600" dirty="0" smtClean="0">
+              <a:latin typeface="Century Gothic" pitchFamily="34" charset="0"/>
+            </a:endParaRPr>
+          </a:p>
+          <a:p>
+            <a:endParaRPr lang="en-US" sz="1600" dirty="0" smtClean="0">
+              <a:latin typeface="Century Gothic" pitchFamily="34" charset="0"/>
+            </a:endParaRPr>
+          </a:p>
+          <a:p>
+            <a:endParaRPr lang="en-US" sz="1600" dirty="0" smtClean="0">
+              <a:latin typeface="Century Gothic" pitchFamily="34" charset="0"/>
+            </a:endParaRPr>
+          </a:p>
+          <a:p>
+            <a:endParaRPr lang="en-US" sz="1600" dirty="0" smtClean="0">
+              <a:latin typeface="Century Gothic" pitchFamily="34" charset="0"/>
+            </a:endParaRPr>
+          </a:p>
+          <a:p>
+            <a:endParaRPr lang="en-US" sz="1600" dirty="0" smtClean="0">
+              <a:latin typeface="Century Gothic" pitchFamily="34" charset="0"/>
+            </a:endParaRPr>
+          </a:p>
+          <a:p>
+            <a:endParaRPr lang="en-US" sz="1600" dirty="0" smtClean="0">
+              <a:latin typeface="Century Gothic" pitchFamily="34" charset="0"/>
+            </a:endParaRPr>
+          </a:p>
+          <a:p>
+            <a:endParaRPr lang="en-US" sz="1600" dirty="0" smtClean="0">
+              <a:latin typeface="Century Gothic" pitchFamily="34" charset="0"/>
+            </a:endParaRPr>
           </a:p>
           <a:p>
             <a:endParaRPr lang="en-US" dirty="0"/>
@@ -4293,7 +4419,7 @@
       </p:sp>
       <p:pic>
         <p:nvPicPr>
-          <p:cNvPr id="1028" name="Picture 4"/>
+          <p:cNvPr id="1029" name="Picture 5"/>
           <p:cNvPicPr>
             <a:picLocks noChangeAspect="1" noChangeArrowheads="1"/>
           </p:cNvPicPr>
@@ -4308,8 +4434,74 @@
         </p:blipFill>
         <p:spPr bwMode="auto">
           <a:xfrm>
-            <a:off x="1520825" y="1917700"/>
-            <a:ext cx="6102350" cy="4787900"/>
+            <a:off x="4572000" y="990600"/>
+            <a:ext cx="3487062" cy="2681287"/>
+          </a:xfrm>
+          <a:prstGeom prst="rect">
+            <a:avLst/>
+          </a:prstGeom>
+          <a:noFill/>
+          <a:ln w="9525">
+            <a:noFill/>
+            <a:miter lim="800000"/>
+            <a:headEnd/>
+            <a:tailEnd/>
+          </a:ln>
+          <a:effectLst/>
+        </p:spPr>
+      </p:pic>
+      <p:pic>
+        <p:nvPicPr>
+          <p:cNvPr id="1030" name="Picture 6"/>
+          <p:cNvPicPr>
+            <a:picLocks noChangeAspect="1" noChangeArrowheads="1"/>
+          </p:cNvPicPr>
+          <p:nvPr/>
+        </p:nvPicPr>
+        <p:blipFill>
+          <a:blip r:embed="rId3"/>
+          <a:srcRect/>
+          <a:stretch>
+            <a:fillRect/>
+          </a:stretch>
+        </p:blipFill>
+        <p:spPr bwMode="auto">
+          <a:xfrm>
+            <a:off x="838200" y="3657600"/>
+            <a:ext cx="3530338" cy="2743200"/>
+          </a:xfrm>
+          <a:prstGeom prst="rect">
+            <a:avLst/>
+          </a:prstGeom>
+          <a:noFill/>
+          <a:ln w="9525">
+            <a:noFill/>
+            <a:miter lim="800000"/>
+            <a:headEnd/>
+            <a:tailEnd/>
+          </a:ln>
+          <a:effectLst/>
+        </p:spPr>
+      </p:pic>
+      <p:pic>
+        <p:nvPicPr>
+          <p:cNvPr id="1031" name="Picture 7"/>
+          <p:cNvPicPr>
+            <a:picLocks noChangeAspect="1" noChangeArrowheads="1"/>
+          </p:cNvPicPr>
+          <p:nvPr/>
+        </p:nvPicPr>
+        <p:blipFill>
+          <a:blip r:embed="rId4"/>
+          <a:srcRect/>
+          <a:stretch>
+            <a:fillRect/>
+          </a:stretch>
+        </p:blipFill>
+        <p:spPr bwMode="auto">
+          <a:xfrm>
+            <a:off x="4572000" y="3657600"/>
+            <a:ext cx="3475463" cy="2667000"/>
           </a:xfrm>
           <a:prstGeom prst="rect">
             <a:avLst/>
@@ -4410,7 +4602,7 @@
       </p:sp>
       <p:pic>
         <p:nvPicPr>
-          <p:cNvPr id="2051" name="Picture 3"/>
+          <p:cNvPr id="4" name="Picture 3"/>
           <p:cNvPicPr>
             <a:picLocks noChangeAspect="1" noChangeArrowheads="1"/>
           </p:cNvPicPr>
@@ -4425,8 +4617,8 @@
         </p:blipFill>
         <p:spPr bwMode="auto">
           <a:xfrm>
-            <a:off x="1504950" y="1943100"/>
-            <a:ext cx="6134100" cy="4686300"/>
+            <a:off x="1833563" y="2023918"/>
+            <a:ext cx="5405437" cy="4153046"/>
           </a:xfrm>
           <a:prstGeom prst="rect">
             <a:avLst/>
@@ -4527,7 +4719,7 @@
       </p:sp>
       <p:pic>
         <p:nvPicPr>
-          <p:cNvPr id="3074" name="Picture 2"/>
+          <p:cNvPr id="4" name="Picture 2"/>
           <p:cNvPicPr>
             <a:picLocks noChangeAspect="1" noChangeArrowheads="1"/>
           </p:cNvPicPr>
@@ -4542,8 +4734,8 @@
         </p:blipFill>
         <p:spPr bwMode="auto">
           <a:xfrm>
-            <a:off x="1498600" y="1981200"/>
-            <a:ext cx="6146800" cy="4660900"/>
+            <a:off x="1524000" y="1980960"/>
+            <a:ext cx="5705474" cy="4419840"/>
           </a:xfrm>
           <a:prstGeom prst="rect">
             <a:avLst/>
@@ -4644,7 +4836,7 @@
       </p:sp>
       <p:pic>
         <p:nvPicPr>
-          <p:cNvPr id="4099" name="Picture 3"/>
+          <p:cNvPr id="4098" name="Picture 2"/>
           <p:cNvPicPr>
             <a:picLocks noChangeAspect="1" noChangeArrowheads="1"/>
           </p:cNvPicPr>
@@ -4659,8 +4851,8 @@
         </p:blipFill>
         <p:spPr bwMode="auto">
           <a:xfrm>
-            <a:off x="1546225" y="1905000"/>
-            <a:ext cx="6051550" cy="4667250"/>
+            <a:off x="1676400" y="1960184"/>
+            <a:ext cx="5710238" cy="4364416"/>
           </a:xfrm>
           <a:prstGeom prst="rect">
             <a:avLst/>
@@ -4751,7 +4943,19 @@
               <a:rPr lang="en-US" sz="1600" dirty="0" smtClean="0">
                 <a:latin typeface="Century Gothic" pitchFamily="34" charset="0"/>
               </a:rPr>
-              <a:t>Top 5 Districts in Maize production in AP</a:t>
+              <a:t>Top 5 Districts in </a:t>
+            </a:r>
+            <a:r>
+              <a:rPr lang="en-US" sz="1600" dirty="0" smtClean="0">
+                <a:latin typeface="Century Gothic" pitchFamily="34" charset="0"/>
+              </a:rPr>
+              <a:t>Banana production </a:t>
+            </a:r>
+            <a:r>
+              <a:rPr lang="en-US" sz="1600" dirty="0" smtClean="0">
+                <a:latin typeface="Century Gothic" pitchFamily="34" charset="0"/>
+              </a:rPr>
+              <a:t>in AP</a:t>
             </a:r>
           </a:p>
           <a:p>
@@ -4761,7 +4965,7 @@
       </p:sp>
       <p:pic>
         <p:nvPicPr>
-          <p:cNvPr id="4" name="Picture 2"/>
+          <p:cNvPr id="5122" name="Picture 2"/>
           <p:cNvPicPr>
             <a:picLocks noChangeAspect="1" noChangeArrowheads="1"/>
           </p:cNvPicPr>
@@ -4776,8 +4980,8 @@
         </p:blipFill>
         <p:spPr bwMode="auto">
           <a:xfrm>
-            <a:off x="1549400" y="1924050"/>
-            <a:ext cx="6045200" cy="4629150"/>
+            <a:off x="1709738" y="1955423"/>
+            <a:ext cx="5681662" cy="4292977"/>
           </a:xfrm>
           <a:prstGeom prst="rect">
             <a:avLst/>
